--- a/webpack/webpack.pptx
+++ b/webpack/webpack.pptx
@@ -7,7 +7,7 @@
     <p:sldMasterId id="2147484842" r:id="rId6"/>
   </p:sldMasterIdLst>
   <p:notesMasterIdLst>
-    <p:notesMasterId r:id="rId17"/>
+    <p:notesMasterId r:id="rId18"/>
   </p:notesMasterIdLst>
   <p:sldIdLst>
     <p:sldId id="1234" r:id="rId7"/>
@@ -17,9 +17,10 @@
     <p:sldId id="1241" r:id="rId11"/>
     <p:sldId id="1242" r:id="rId12"/>
     <p:sldId id="1243" r:id="rId13"/>
-    <p:sldId id="1244" r:id="rId14"/>
-    <p:sldId id="1245" r:id="rId15"/>
-    <p:sldId id="1206" r:id="rId16"/>
+    <p:sldId id="1246" r:id="rId14"/>
+    <p:sldId id="1244" r:id="rId15"/>
+    <p:sldId id="1245" r:id="rId16"/>
+    <p:sldId id="1206" r:id="rId17"/>
   </p:sldIdLst>
   <p:sldSz cx="12192000" cy="6858000"/>
   <p:notesSz cx="6858000" cy="9144000"/>
@@ -160,6 +161,7 @@
             <p14:sldId id="1241"/>
             <p14:sldId id="1242"/>
             <p14:sldId id="1243"/>
+            <p14:sldId id="1246"/>
             <p14:sldId id="1244"/>
             <p14:sldId id="1245"/>
             <p14:sldId id="1206"/>
@@ -1880,7 +1882,7 @@
           <p:cNvPr id="8" name="Picture 7">
             <a:extLst>
               <a:ext uri="{FF2B5EF4-FFF2-40B4-BE49-F238E27FC236}">
-                <a16:creationId xmlns:a16="http://schemas.microsoft.com/office/drawing/2014/main" xmlns="" id="{1CF45043-0DF6-7844-A454-194D648F98F1}"/>
+                <a16:creationId xmlns="" xmlns:a16="http://schemas.microsoft.com/office/drawing/2014/main" id="{1CF45043-0DF6-7844-A454-194D648F98F1}"/>
               </a:ext>
             </a:extLst>
           </p:cNvPr>
@@ -1910,7 +1912,7 @@
           <p:cNvPr id="10" name="Title 8">
             <a:extLst>
               <a:ext uri="{FF2B5EF4-FFF2-40B4-BE49-F238E27FC236}">
-                <a16:creationId xmlns:a16="http://schemas.microsoft.com/office/drawing/2014/main" xmlns="" id="{353C5CCE-34CF-4745-B8D7-AF744DB56245}"/>
+                <a16:creationId xmlns="" xmlns:a16="http://schemas.microsoft.com/office/drawing/2014/main" id="{353C5CCE-34CF-4745-B8D7-AF744DB56245}"/>
               </a:ext>
             </a:extLst>
           </p:cNvPr>
@@ -2621,7 +2623,7 @@
           <p:cNvPr id="10" name="Title 1">
             <a:extLst>
               <a:ext uri="{FF2B5EF4-FFF2-40B4-BE49-F238E27FC236}">
-                <a16:creationId xmlns:a16="http://schemas.microsoft.com/office/drawing/2014/main" xmlns="" id="{B4B68A2E-49F8-4BDA-BD1A-488169336555}"/>
+                <a16:creationId xmlns="" xmlns:a16="http://schemas.microsoft.com/office/drawing/2014/main" id="{B4B68A2E-49F8-4BDA-BD1A-488169336555}"/>
               </a:ext>
             </a:extLst>
           </p:cNvPr>
@@ -2956,7 +2958,7 @@
           <p:cNvPr id="8" name="Picture 7">
             <a:extLst>
               <a:ext uri="{FF2B5EF4-FFF2-40B4-BE49-F238E27FC236}">
-                <a16:creationId xmlns:a16="http://schemas.microsoft.com/office/drawing/2014/main" xmlns="" id="{1CF45043-0DF6-7844-A454-194D648F98F1}"/>
+                <a16:creationId xmlns="" xmlns:a16="http://schemas.microsoft.com/office/drawing/2014/main" id="{1CF45043-0DF6-7844-A454-194D648F98F1}"/>
               </a:ext>
             </a:extLst>
           </p:cNvPr>
@@ -2986,7 +2988,7 @@
           <p:cNvPr id="10" name="Title 8">
             <a:extLst>
               <a:ext uri="{FF2B5EF4-FFF2-40B4-BE49-F238E27FC236}">
-                <a16:creationId xmlns:a16="http://schemas.microsoft.com/office/drawing/2014/main" xmlns="" id="{353C5CCE-34CF-4745-B8D7-AF744DB56245}"/>
+                <a16:creationId xmlns="" xmlns:a16="http://schemas.microsoft.com/office/drawing/2014/main" id="{353C5CCE-34CF-4745-B8D7-AF744DB56245}"/>
               </a:ext>
             </a:extLst>
           </p:cNvPr>
@@ -3201,7 +3203,7 @@
           <p:cNvPr id="7" name="Picture 6">
             <a:extLst>
               <a:ext uri="{FF2B5EF4-FFF2-40B4-BE49-F238E27FC236}">
-                <a16:creationId xmlns:a16="http://schemas.microsoft.com/office/drawing/2014/main" xmlns="" id="{19906801-963A-2748-A48D-2607EEFEA3B7}"/>
+                <a16:creationId xmlns="" xmlns:a16="http://schemas.microsoft.com/office/drawing/2014/main" id="{19906801-963A-2748-A48D-2607EEFEA3B7}"/>
               </a:ext>
             </a:extLst>
           </p:cNvPr>
@@ -3903,7 +3905,7 @@
           <p:cNvPr id="9" name="Picture 8">
             <a:extLst>
               <a:ext uri="{FF2B5EF4-FFF2-40B4-BE49-F238E27FC236}">
-                <a16:creationId xmlns:a16="http://schemas.microsoft.com/office/drawing/2014/main" xmlns="" id="{21C47469-3B03-E44C-89B5-F697BC2200BB}"/>
+                <a16:creationId xmlns="" xmlns:a16="http://schemas.microsoft.com/office/drawing/2014/main" id="{21C47469-3B03-E44C-89B5-F697BC2200BB}"/>
               </a:ext>
             </a:extLst>
           </p:cNvPr>
@@ -4354,7 +4356,7 @@
           <p:cNvPr id="7" name="Picture 6">
             <a:extLst>
               <a:ext uri="{FF2B5EF4-FFF2-40B4-BE49-F238E27FC236}">
-                <a16:creationId xmlns:a16="http://schemas.microsoft.com/office/drawing/2014/main" xmlns="" id="{19906801-963A-2748-A48D-2607EEFEA3B7}"/>
+                <a16:creationId xmlns="" xmlns:a16="http://schemas.microsoft.com/office/drawing/2014/main" id="{19906801-963A-2748-A48D-2607EEFEA3B7}"/>
               </a:ext>
             </a:extLst>
           </p:cNvPr>
@@ -5683,7 +5685,7 @@
           <p:cNvPr id="10" name="Title 1">
             <a:extLst>
               <a:ext uri="{FF2B5EF4-FFF2-40B4-BE49-F238E27FC236}">
-                <a16:creationId xmlns:a16="http://schemas.microsoft.com/office/drawing/2014/main" xmlns="" id="{B4B68A2E-49F8-4BDA-BD1A-488169336555}"/>
+                <a16:creationId xmlns="" xmlns:a16="http://schemas.microsoft.com/office/drawing/2014/main" id="{B4B68A2E-49F8-4BDA-BD1A-488169336555}"/>
               </a:ext>
             </a:extLst>
           </p:cNvPr>
@@ -5894,7 +5896,7 @@
           <p:cNvPr id="8" name="Picture 7">
             <a:extLst>
               <a:ext uri="{FF2B5EF4-FFF2-40B4-BE49-F238E27FC236}">
-                <a16:creationId xmlns:a16="http://schemas.microsoft.com/office/drawing/2014/main" xmlns="" id="{1CF45043-0DF6-7844-A454-194D648F98F1}"/>
+                <a16:creationId xmlns="" xmlns:a16="http://schemas.microsoft.com/office/drawing/2014/main" id="{1CF45043-0DF6-7844-A454-194D648F98F1}"/>
               </a:ext>
             </a:extLst>
           </p:cNvPr>
@@ -6055,7 +6057,7 @@
           <p:cNvPr id="7" name="Picture 6">
             <a:extLst>
               <a:ext uri="{FF2B5EF4-FFF2-40B4-BE49-F238E27FC236}">
-                <a16:creationId xmlns:a16="http://schemas.microsoft.com/office/drawing/2014/main" xmlns="" id="{19906801-963A-2748-A48D-2607EEFEA3B7}"/>
+                <a16:creationId xmlns="" xmlns:a16="http://schemas.microsoft.com/office/drawing/2014/main" id="{19906801-963A-2748-A48D-2607EEFEA3B7}"/>
               </a:ext>
             </a:extLst>
           </p:cNvPr>
@@ -6247,7 +6249,7 @@
           <p:cNvPr id="6" name="Text Placeholder 6">
             <a:extLst>
               <a:ext uri="{FF2B5EF4-FFF2-40B4-BE49-F238E27FC236}">
-                <a16:creationId xmlns:a16="http://schemas.microsoft.com/office/drawing/2014/main" xmlns="" id="{6DDF5AB6-195E-47F9-91E3-98E599C01EFB}"/>
+                <a16:creationId xmlns="" xmlns:a16="http://schemas.microsoft.com/office/drawing/2014/main" id="{6DDF5AB6-195E-47F9-91E3-98E599C01EFB}"/>
               </a:ext>
             </a:extLst>
           </p:cNvPr>
@@ -6545,7 +6547,7 @@
           <p:cNvPr id="9" name="Picture 8">
             <a:extLst>
               <a:ext uri="{FF2B5EF4-FFF2-40B4-BE49-F238E27FC236}">
-                <a16:creationId xmlns:a16="http://schemas.microsoft.com/office/drawing/2014/main" xmlns="" id="{320D1B1E-8401-8049-8729-0C74A6C1928C}"/>
+                <a16:creationId xmlns="" xmlns:a16="http://schemas.microsoft.com/office/drawing/2014/main" id="{320D1B1E-8401-8049-8729-0C74A6C1928C}"/>
               </a:ext>
             </a:extLst>
           </p:cNvPr>
@@ -6829,7 +6831,7 @@
           <p:cNvPr id="9" name="Rectangle 8">
             <a:extLst>
               <a:ext uri="{FF2B5EF4-FFF2-40B4-BE49-F238E27FC236}">
-                <a16:creationId xmlns:a16="http://schemas.microsoft.com/office/drawing/2014/main" xmlns="" id="{9CC0A6A9-FB31-4A19-A170-D23A18C938E0}"/>
+                <a16:creationId xmlns="" xmlns:a16="http://schemas.microsoft.com/office/drawing/2014/main" id="{9CC0A6A9-FB31-4A19-A170-D23A18C938E0}"/>
               </a:ext>
             </a:extLst>
           </p:cNvPr>
@@ -9414,7 +9416,7 @@
           <p:cNvPr id="22" name="Picture 21">
             <a:extLst>
               <a:ext uri="{FF2B5EF4-FFF2-40B4-BE49-F238E27FC236}">
-                <a16:creationId xmlns:a16="http://schemas.microsoft.com/office/drawing/2014/main" xmlns="" id="{D2C70A87-6824-3248-B448-307E7C5BC0C9}"/>
+                <a16:creationId xmlns="" xmlns:a16="http://schemas.microsoft.com/office/drawing/2014/main" id="{D2C70A87-6824-3248-B448-307E7C5BC0C9}"/>
               </a:ext>
             </a:extLst>
           </p:cNvPr>
@@ -9850,7 +9852,7 @@
           <p:cNvPr id="9" name="Picture 8">
             <a:extLst>
               <a:ext uri="{FF2B5EF4-FFF2-40B4-BE49-F238E27FC236}">
-                <a16:creationId xmlns:a16="http://schemas.microsoft.com/office/drawing/2014/main" xmlns="" id="{21C47469-3B03-E44C-89B5-F697BC2200BB}"/>
+                <a16:creationId xmlns="" xmlns:a16="http://schemas.microsoft.com/office/drawing/2014/main" id="{21C47469-3B03-E44C-89B5-F697BC2200BB}"/>
               </a:ext>
             </a:extLst>
           </p:cNvPr>
@@ -12312,7 +12314,7 @@
           <p:cNvPr id="10" name="Title 9">
             <a:extLst>
               <a:ext uri="{FF2B5EF4-FFF2-40B4-BE49-F238E27FC236}">
-                <a16:creationId xmlns:a16="http://schemas.microsoft.com/office/drawing/2014/main" xmlns="" id="{C2C01860-88AA-4983-9D84-DB6CD67B99FA}"/>
+                <a16:creationId xmlns="" xmlns:a16="http://schemas.microsoft.com/office/drawing/2014/main" id="{C2C01860-88AA-4983-9D84-DB6CD67B99FA}"/>
               </a:ext>
             </a:extLst>
           </p:cNvPr>
@@ -12346,7 +12348,7 @@
           <p:cNvPr id="11" name="Text Placeholder 10">
             <a:extLst>
               <a:ext uri="{FF2B5EF4-FFF2-40B4-BE49-F238E27FC236}">
-                <a16:creationId xmlns:a16="http://schemas.microsoft.com/office/drawing/2014/main" xmlns="" id="{CF3D1018-5EBF-47E8-BCA9-73CE5FFDDFC4}"/>
+                <a16:creationId xmlns="" xmlns:a16="http://schemas.microsoft.com/office/drawing/2014/main" id="{CF3D1018-5EBF-47E8-BCA9-73CE5FFDDFC4}"/>
               </a:ext>
             </a:extLst>
           </p:cNvPr>
@@ -12391,6 +12393,88 @@
 </file>
 
 <file path=ppt/slides/slide10.xml><?xml version="1.0" encoding="utf-8"?>
+<p:sld xmlns:a="http://schemas.openxmlformats.org/drawingml/2006/main" xmlns:r="http://schemas.openxmlformats.org/officeDocument/2006/relationships" xmlns:p="http://schemas.openxmlformats.org/presentationml/2006/main">
+  <p:cSld>
+    <p:spTree>
+      <p:nvGrpSpPr>
+        <p:cNvPr id="1" name=""/>
+        <p:cNvGrpSpPr/>
+        <p:nvPr/>
+      </p:nvGrpSpPr>
+      <p:grpSpPr>
+        <a:xfrm>
+          <a:off x="0" y="0"/>
+          <a:ext cx="0" cy="0"/>
+          <a:chOff x="0" y="0"/>
+          <a:chExt cx="0" cy="0"/>
+        </a:xfrm>
+      </p:grpSpPr>
+      <p:sp>
+        <p:nvSpPr>
+          <p:cNvPr id="3" name="Місце для тексту 2"/>
+          <p:cNvSpPr>
+            <a:spLocks noGrp="1"/>
+          </p:cNvSpPr>
+          <p:nvPr>
+            <p:ph type="body" sz="quarter" idx="10"/>
+          </p:nvPr>
+        </p:nvSpPr>
+        <p:spPr>
+          <a:xfrm>
+            <a:off x="685800" y="685801"/>
+            <a:ext cx="10820400" cy="3429000"/>
+          </a:xfrm>
+        </p:spPr>
+        <p:txBody>
+          <a:bodyPr/>
+          <a:lstStyle/>
+          <a:p>
+            <a:r>
+              <a:rPr lang="en-US" sz="2800" dirty="0" smtClean="0"/>
+              <a:t>My projects:</a:t>
+            </a:r>
+          </a:p>
+          <a:p>
+            <a:pPr marL="342900" indent="-342900">
+              <a:buFont typeface="Arial" panose="020B0604020202020204" pitchFamily="34" charset="0"/>
+              <a:buChar char="•"/>
+            </a:pPr>
+            <a:r>
+              <a:rPr lang="en-US" dirty="0"/>
+              <a:t>https://</a:t>
+            </a:r>
+            <a:r>
+              <a:rPr lang="en-US" dirty="0" smtClean="0"/>
+              <a:t>github.com/moran711/EXCEL</a:t>
+            </a:r>
+          </a:p>
+          <a:p>
+            <a:pPr marL="342900" indent="-342900">
+              <a:buFont typeface="Arial" panose="020B0604020202020204" pitchFamily="34" charset="0"/>
+              <a:buChar char="•"/>
+            </a:pPr>
+            <a:r>
+              <a:rPr lang="en-US" dirty="0"/>
+              <a:t>https://github.com/moran711/SoftServe-homework</a:t>
+            </a:r>
+            <a:endParaRPr lang="uk-UA" dirty="0"/>
+          </a:p>
+        </p:txBody>
+      </p:sp>
+    </p:spTree>
+    <p:extLst>
+      <p:ext uri="{BB962C8B-B14F-4D97-AF65-F5344CB8AC3E}">
+        <p14:creationId xmlns:p14="http://schemas.microsoft.com/office/powerpoint/2010/main" val="4088349324"/>
+      </p:ext>
+    </p:extLst>
+  </p:cSld>
+  <p:clrMapOvr>
+    <a:masterClrMapping/>
+  </p:clrMapOvr>
+</p:sld>
+</file>
+
+<file path=ppt/slides/slide11.xml><?xml version="1.0" encoding="utf-8"?>
 <p:sld xmlns:a="http://schemas.openxmlformats.org/drawingml/2006/main" xmlns:r="http://schemas.openxmlformats.org/officeDocument/2006/relationships" xmlns:p="http://schemas.openxmlformats.org/presentationml/2006/main">
   <p:cSld>
     <p:spTree>
@@ -12476,7 +12560,7 @@
           <p:cNvPr id="4" name="Title 3">
             <a:extLst>
               <a:ext uri="{FF2B5EF4-FFF2-40B4-BE49-F238E27FC236}">
-                <a16:creationId xmlns:a16="http://schemas.microsoft.com/office/drawing/2014/main" xmlns="" id="{9C0E98AF-C5CD-4FAB-A01E-D24E37D15F8E}"/>
+                <a16:creationId xmlns="" xmlns:a16="http://schemas.microsoft.com/office/drawing/2014/main" id="{9C0E98AF-C5CD-4FAB-A01E-D24E37D15F8E}"/>
               </a:ext>
             </a:extLst>
           </p:cNvPr>
@@ -12501,7 +12585,7 @@
           <p:cNvPr id="5" name="Text Placeholder 4">
             <a:extLst>
               <a:ext uri="{FF2B5EF4-FFF2-40B4-BE49-F238E27FC236}">
-                <a16:creationId xmlns:a16="http://schemas.microsoft.com/office/drawing/2014/main" xmlns="" id="{2D815465-9810-4297-B7C7-CB93EFFC3510}"/>
+                <a16:creationId xmlns="" xmlns:a16="http://schemas.microsoft.com/office/drawing/2014/main" id="{2D815465-9810-4297-B7C7-CB93EFFC3510}"/>
               </a:ext>
             </a:extLst>
           </p:cNvPr>
@@ -12546,7 +12630,6 @@
               <a:rPr lang="en-US" dirty="0"/>
               <a:t> separates the code based on how it is used in your app, and with this modular breakdown of responsibilities, it becomes much easier to manage, debug, verify, and test your code.</a:t>
             </a:r>
-            <a:endParaRPr lang="en-US" dirty="0"/>
           </a:p>
         </p:txBody>
       </p:sp>
@@ -12633,7 +12716,7 @@
           <p:cNvPr id="5" name="Text Placeholder 4">
             <a:extLst>
               <a:ext uri="{FF2B5EF4-FFF2-40B4-BE49-F238E27FC236}">
-                <a16:creationId xmlns:a16="http://schemas.microsoft.com/office/drawing/2014/main" xmlns="" id="{2D815465-9810-4297-B7C7-CB93EFFC3510}"/>
+                <a16:creationId xmlns="" xmlns:a16="http://schemas.microsoft.com/office/drawing/2014/main" id="{2D815465-9810-4297-B7C7-CB93EFFC3510}"/>
               </a:ext>
             </a:extLst>
           </p:cNvPr>
@@ -13647,11 +13730,20 @@
             <p:ph type="title"/>
           </p:nvPr>
         </p:nvSpPr>
-        <p:spPr/>
+        <p:spPr>
+          <a:xfrm>
+            <a:off x="685800" y="281354"/>
+            <a:ext cx="10820400" cy="685800"/>
+          </a:xfrm>
+        </p:spPr>
         <p:txBody>
           <a:bodyPr/>
           <a:lstStyle/>
           <a:p>
+            <a:r>
+              <a:rPr lang="en-US" dirty="0" smtClean="0"/>
+              <a:t>SASS</a:t>
+            </a:r>
             <a:endParaRPr lang="uk-UA" dirty="0"/>
           </a:p>
         </p:txBody>
@@ -13668,7 +13760,7 @@
         </p:nvSpPr>
         <p:spPr>
           <a:xfrm>
-            <a:off x="685800" y="685801"/>
+            <a:off x="685800" y="967154"/>
             <a:ext cx="10820400" cy="3429000"/>
           </a:xfrm>
         </p:spPr>
@@ -13677,34 +13769,205 @@
           <a:lstStyle/>
           <a:p>
             <a:r>
-              <a:rPr lang="en-US" sz="2800" dirty="0" smtClean="0"/>
-              <a:t>Useful links</a:t>
+              <a:rPr lang="en-US" dirty="0"/>
+              <a:t>To begin, you'll need to install sass-loader</a:t>
             </a:r>
             <a:r>
               <a:rPr lang="en-US" dirty="0" smtClean="0"/>
               <a:t>:</a:t>
             </a:r>
-          </a:p>
-          <a:p>
-            <a:pPr marL="342900" indent="-342900">
-              <a:buFont typeface="Arial" panose="020B0604020202020204" pitchFamily="34" charset="0"/>
-              <a:buChar char="•"/>
-            </a:pPr>
+            <a:endParaRPr lang="en-US" dirty="0"/>
+          </a:p>
+          <a:p>
+            <a:r>
+              <a:rPr lang="en-US" dirty="0" err="1">
+                <a:solidFill>
+                  <a:schemeClr val="bg2">
+                    <a:lumMod val="50000"/>
+                    <a:lumOff val="50000"/>
+                  </a:schemeClr>
+                </a:solidFill>
+              </a:rPr>
+              <a:t>npm</a:t>
+            </a:r>
+            <a:r>
+              <a:rPr lang="en-US" dirty="0">
+                <a:solidFill>
+                  <a:schemeClr val="bg2">
+                    <a:lumMod val="50000"/>
+                    <a:lumOff val="50000"/>
+                  </a:schemeClr>
+                </a:solidFill>
+              </a:rPr>
+              <a:t> install sass-loader sass </a:t>
+            </a:r>
+            <a:r>
+              <a:rPr lang="en-US" dirty="0" err="1">
+                <a:solidFill>
+                  <a:schemeClr val="bg2">
+                    <a:lumMod val="50000"/>
+                    <a:lumOff val="50000"/>
+                  </a:schemeClr>
+                </a:solidFill>
+              </a:rPr>
+              <a:t>webpack</a:t>
+            </a:r>
+            <a:r>
+              <a:rPr lang="en-US" dirty="0">
+                <a:solidFill>
+                  <a:schemeClr val="bg2">
+                    <a:lumMod val="50000"/>
+                    <a:lumOff val="50000"/>
+                  </a:schemeClr>
+                </a:solidFill>
+              </a:rPr>
+              <a:t> --save-</a:t>
+            </a:r>
+            <a:r>
+              <a:rPr lang="en-US" dirty="0" err="1">
+                <a:solidFill>
+                  <a:schemeClr val="bg2">
+                    <a:lumMod val="50000"/>
+                    <a:lumOff val="50000"/>
+                  </a:schemeClr>
+                </a:solidFill>
+              </a:rPr>
+              <a:t>dev</a:t>
+            </a:r>
+            <a:endParaRPr lang="en-US" dirty="0">
+              <a:solidFill>
+                <a:schemeClr val="bg2">
+                  <a:lumMod val="50000"/>
+                  <a:lumOff val="50000"/>
+                </a:schemeClr>
+              </a:solidFill>
+            </a:endParaRPr>
+          </a:p>
+          <a:p>
             <a:r>
               <a:rPr lang="en-US" dirty="0"/>
-              <a:t>https://webpack.js.org/</a:t>
-            </a:r>
-            <a:endParaRPr lang="en-US" dirty="0" smtClean="0"/>
-          </a:p>
-          <a:p>
+              <a:t>sass-loader requires you to install either Dart Sass or Node Sass on your own (more documentation can be found below</a:t>
+            </a:r>
+            <a:r>
+              <a:rPr lang="en-US" dirty="0" smtClean="0"/>
+              <a:t>).</a:t>
+            </a:r>
+            <a:endParaRPr lang="en-US" dirty="0"/>
+          </a:p>
+          <a:p>
+            <a:r>
+              <a:rPr lang="en-US" dirty="0"/>
+              <a:t>This allows you to </a:t>
+            </a:r>
+            <a:r>
+              <a:rPr lang="en-US" dirty="0" smtClean="0"/>
+              <a:t>control </a:t>
+            </a:r>
+            <a:r>
+              <a:rPr lang="en-US" dirty="0"/>
+              <a:t>the versions of all your dependencies, and to choose which Sass implementation to use</a:t>
+            </a:r>
+            <a:r>
+              <a:rPr lang="en-US" dirty="0" smtClean="0"/>
+              <a:t>.</a:t>
+            </a:r>
+          </a:p>
+          <a:p>
+            <a:r>
+              <a:rPr lang="en-US" dirty="0"/>
+              <a:t>Chain the sass-loader with the </a:t>
+            </a:r>
+            <a:r>
+              <a:rPr lang="en-US" dirty="0" err="1"/>
+              <a:t>css</a:t>
+            </a:r>
+            <a:r>
+              <a:rPr lang="en-US" dirty="0"/>
+              <a:t>-loader and the style-loader to immediately apply all styles to the DOM or the mini-</a:t>
+            </a:r>
+            <a:r>
+              <a:rPr lang="en-US" dirty="0" err="1"/>
+              <a:t>css</a:t>
+            </a:r>
+            <a:r>
+              <a:rPr lang="en-US" dirty="0"/>
+              <a:t>-extract-plugin to extract it into a separate file</a:t>
+            </a:r>
+            <a:r>
+              <a:rPr lang="en-US" dirty="0" smtClean="0"/>
+              <a:t>.</a:t>
+            </a:r>
+            <a:endParaRPr lang="en-US" dirty="0"/>
+          </a:p>
+          <a:p>
+            <a:r>
+              <a:rPr lang="en-US" dirty="0"/>
+              <a:t>Then add the loader to your </a:t>
+            </a:r>
+            <a:r>
+              <a:rPr lang="en-US" dirty="0" err="1"/>
+              <a:t>Webpack</a:t>
+            </a:r>
+            <a:r>
+              <a:rPr lang="en-US" dirty="0"/>
+              <a:t> configuration. For example:</a:t>
+            </a:r>
             <a:endParaRPr lang="uk-UA" dirty="0"/>
           </a:p>
         </p:txBody>
       </p:sp>
+      <p:pic>
+        <p:nvPicPr>
+          <p:cNvPr id="6" name="Рисунок 5"/>
+          <p:cNvPicPr>
+            <a:picLocks noChangeAspect="1"/>
+          </p:cNvPicPr>
+          <p:nvPr/>
+        </p:nvPicPr>
+        <p:blipFill>
+          <a:blip r:embed="rId2"/>
+          <a:stretch>
+            <a:fillRect/>
+          </a:stretch>
+        </p:blipFill>
+        <p:spPr>
+          <a:xfrm>
+            <a:off x="1081456" y="4396154"/>
+            <a:ext cx="3103591" cy="2242741"/>
+          </a:xfrm>
+          <a:prstGeom prst="rect">
+            <a:avLst/>
+          </a:prstGeom>
+        </p:spPr>
+      </p:pic>
+      <p:pic>
+        <p:nvPicPr>
+          <p:cNvPr id="7" name="Рисунок 6"/>
+          <p:cNvPicPr>
+            <a:picLocks noChangeAspect="1"/>
+          </p:cNvPicPr>
+          <p:nvPr/>
+        </p:nvPicPr>
+        <p:blipFill>
+          <a:blip r:embed="rId3"/>
+          <a:stretch>
+            <a:fillRect/>
+          </a:stretch>
+        </p:blipFill>
+        <p:spPr>
+          <a:xfrm>
+            <a:off x="4580703" y="4653232"/>
+            <a:ext cx="4843957" cy="1664500"/>
+          </a:xfrm>
+          <a:prstGeom prst="rect">
+            <a:avLst/>
+          </a:prstGeom>
+        </p:spPr>
+      </p:pic>
     </p:spTree>
     <p:extLst>
       <p:ext uri="{BB962C8B-B14F-4D97-AF65-F5344CB8AC3E}">
-        <p14:creationId xmlns:p14="http://schemas.microsoft.com/office/powerpoint/2010/main" val="2925461309"/>
+        <p14:creationId xmlns:p14="http://schemas.microsoft.com/office/powerpoint/2010/main" val="2100304341"/>
       </p:ext>
     </p:extLst>
   </p:cSld>
@@ -13733,6 +13996,25 @@
       </p:grpSpPr>
       <p:sp>
         <p:nvSpPr>
+          <p:cNvPr id="2" name="Заголовок 1"/>
+          <p:cNvSpPr>
+            <a:spLocks noGrp="1"/>
+          </p:cNvSpPr>
+          <p:nvPr>
+            <p:ph type="title"/>
+          </p:nvPr>
+        </p:nvSpPr>
+        <p:spPr/>
+        <p:txBody>
+          <a:bodyPr/>
+          <a:lstStyle/>
+          <a:p>
+            <a:endParaRPr lang="uk-UA" dirty="0"/>
+          </a:p>
+        </p:txBody>
+      </p:sp>
+      <p:sp>
+        <p:nvSpPr>
           <p:cNvPr id="3" name="Місце для тексту 2"/>
           <p:cNvSpPr>
             <a:spLocks noGrp="1"/>
@@ -13753,7 +14035,11 @@
           <a:p>
             <a:r>
               <a:rPr lang="en-US" sz="2800" dirty="0" smtClean="0"/>
-              <a:t>My projects:</a:t>
+              <a:t>Useful links</a:t>
+            </a:r>
+            <a:r>
+              <a:rPr lang="en-US" dirty="0" smtClean="0"/>
+              <a:t>:</a:t>
             </a:r>
           </a:p>
           <a:p>
@@ -13763,22 +14049,11 @@
             </a:pPr>
             <a:r>
               <a:rPr lang="en-US" dirty="0"/>
-              <a:t>https://</a:t>
-            </a:r>
-            <a:r>
-              <a:rPr lang="en-US" dirty="0" smtClean="0"/>
-              <a:t>github.com/moran711/EXCEL</a:t>
-            </a:r>
-          </a:p>
-          <a:p>
-            <a:pPr marL="342900" indent="-342900">
-              <a:buFont typeface="Arial" panose="020B0604020202020204" pitchFamily="34" charset="0"/>
-              <a:buChar char="•"/>
-            </a:pPr>
-            <a:r>
-              <a:rPr lang="en-US" dirty="0"/>
-              <a:t>https://github.com/moran711/SoftServe-homework</a:t>
-            </a:r>
+              <a:t>https://webpack.js.org/</a:t>
+            </a:r>
+            <a:endParaRPr lang="en-US" dirty="0" smtClean="0"/>
+          </a:p>
+          <a:p>
             <a:endParaRPr lang="uk-UA" dirty="0"/>
           </a:p>
         </p:txBody>
@@ -13786,7 +14061,7 @@
     </p:spTree>
     <p:extLst>
       <p:ext uri="{BB962C8B-B14F-4D97-AF65-F5344CB8AC3E}">
-        <p14:creationId xmlns:p14="http://schemas.microsoft.com/office/powerpoint/2010/main" val="4088349324"/>
+        <p14:creationId xmlns:p14="http://schemas.microsoft.com/office/powerpoint/2010/main" val="2925461309"/>
       </p:ext>
     </p:extLst>
   </p:cSld>
@@ -14669,15 +14944,6 @@
 </file>
 
 <file path=customXml/item2.xml><?xml version="1.0" encoding="utf-8"?>
-<?mso-contentType ?>
-<FormTemplates xmlns="http://schemas.microsoft.com/sharepoint/v3/contenttype/forms">
-  <Display>DocumentLibraryForm</Display>
-  <Edit>DocumentLibraryForm</Edit>
-  <New>DocumentLibraryForm</New>
-</FormTemplates>
-</file>
-
-<file path=customXml/item3.xml><?xml version="1.0" encoding="utf-8"?>
 <ct:contentTypeSchema xmlns:ct="http://schemas.microsoft.com/office/2006/metadata/contentType" xmlns:ma="http://schemas.microsoft.com/office/2006/metadata/properties/metaAttributes" ct:_="" ma:_="" ma:contentTypeName="Document" ma:contentTypeID="0x0101004195FC54A15F344D83577B1CDDD67A5D" ma:contentTypeVersion="13" ma:contentTypeDescription="Create a new document." ma:contentTypeScope="" ma:versionID="30ded57c9b2156718eb8cc7b0e4246dc">
   <xsd:schema xmlns:xsd="http://www.w3.org/2001/XMLSchema" xmlns:xs="http://www.w3.org/2001/XMLSchema" xmlns:p="http://schemas.microsoft.com/office/2006/metadata/properties" xmlns:ns2="341e6018-ac0a-4dfb-8409-db9e0d25502e" xmlns:ns3="835f28f2-30f1-4728-84d2-86d96e143488" targetNamespace="http://schemas.microsoft.com/office/2006/metadata/properties" ma:root="true" ma:fieldsID="a0d1831635397921c92a19e568dfc949" ns2:_="" ns3:_="">
     <xsd:import namespace="341e6018-ac0a-4dfb-8409-db9e0d25502e"/>
@@ -14902,6 +15168,15 @@
 </ct:contentTypeSchema>
 </file>
 
+<file path=customXml/item3.xml><?xml version="1.0" encoding="utf-8"?>
+<?mso-contentType ?>
+<FormTemplates xmlns="http://schemas.microsoft.com/sharepoint/v3/contenttype/forms">
+  <Display>DocumentLibraryForm</Display>
+  <Edit>DocumentLibraryForm</Edit>
+  <New>DocumentLibraryForm</New>
+</FormTemplates>
+</file>
+
 <file path=customXml/itemProps1.xml><?xml version="1.0" encoding="utf-8"?>
 <ds:datastoreItem xmlns:ds="http://schemas.openxmlformats.org/officeDocument/2006/customXml" ds:itemID="{E9033E08-7FE9-4F6D-B155-A8777B4A5A57}">
   <ds:schemaRefs>
@@ -14920,14 +15195,6 @@
 </file>
 
 <file path=customXml/itemProps2.xml><?xml version="1.0" encoding="utf-8"?>
-<ds:datastoreItem xmlns:ds="http://schemas.openxmlformats.org/officeDocument/2006/customXml" ds:itemID="{296B3B9E-03D8-4766-BF45-6129617CF026}">
-  <ds:schemaRefs>
-    <ds:schemaRef ds:uri="http://schemas.microsoft.com/sharepoint/v3/contenttype/forms"/>
-  </ds:schemaRefs>
-</ds:datastoreItem>
-</file>
-
-<file path=customXml/itemProps3.xml><?xml version="1.0" encoding="utf-8"?>
 <ds:datastoreItem xmlns:ds="http://schemas.openxmlformats.org/officeDocument/2006/customXml" ds:itemID="{5BCFD5A9-9FF3-42E0-89D7-BF5BFC61DD60}">
   <ds:schemaRefs>
     <ds:schemaRef ds:uri="341e6018-ac0a-4dfb-8409-db9e0d25502e"/>
@@ -14944,4 +15211,12 @@
     <ds:schemaRef ds:uri="http://www.w3.org/2001/XMLSchema"/>
   </ds:schemaRefs>
 </ds:datastoreItem>
+</file>
+
+<file path=customXml/itemProps3.xml><?xml version="1.0" encoding="utf-8"?>
+<ds:datastoreItem xmlns:ds="http://schemas.openxmlformats.org/officeDocument/2006/customXml" ds:itemID="{296B3B9E-03D8-4766-BF45-6129617CF026}">
+  <ds:schemaRefs>
+    <ds:schemaRef ds:uri="http://schemas.microsoft.com/sharepoint/v3/contenttype/forms"/>
+  </ds:schemaRefs>
+</ds:datastoreItem>
 </file>